--- a/ppt 16-9/0625.他作王直到永远.pptx
+++ b/ppt 16-9/0625.他作王直到永远.pptx
@@ -129,7 +129,7 @@
           <p:cNvPr id="2" name="标题 1">
             <a:extLst>
               <a:ext uri="{FF2B5EF4-FFF2-40B4-BE49-F238E27FC236}">
-                <a16:creationId xmlns:a16="http://schemas.microsoft.com/office/drawing/2014/main" id="{C1C6E74F-0A42-E22A-F332-C80BA9259721}"/>
+                <a16:creationId xmlns:a16="http://schemas.microsoft.com/office/drawing/2014/main" id="{91E92E61-FFF3-FFEF-3E52-855FEE3EED95}"/>
               </a:ext>
             </a:extLst>
           </p:cNvPr>
@@ -166,7 +166,7 @@
           <p:cNvPr id="3" name="副标题 2">
             <a:extLst>
               <a:ext uri="{FF2B5EF4-FFF2-40B4-BE49-F238E27FC236}">
-                <a16:creationId xmlns:a16="http://schemas.microsoft.com/office/drawing/2014/main" id="{9D3EEAE3-6EE7-F248-F345-4E124B4F7629}"/>
+                <a16:creationId xmlns:a16="http://schemas.microsoft.com/office/drawing/2014/main" id="{609B33B7-D95E-ACA7-DAE8-C022034BDB04}"/>
               </a:ext>
             </a:extLst>
           </p:cNvPr>
@@ -236,7 +236,7 @@
           <p:cNvPr id="4" name="日期占位符 3">
             <a:extLst>
               <a:ext uri="{FF2B5EF4-FFF2-40B4-BE49-F238E27FC236}">
-                <a16:creationId xmlns:a16="http://schemas.microsoft.com/office/drawing/2014/main" id="{1E2341A0-5C82-47B8-885B-BEC15F59026B}"/>
+                <a16:creationId xmlns:a16="http://schemas.microsoft.com/office/drawing/2014/main" id="{9EB0890F-9259-5FF2-5260-293A3AF75B16}"/>
               </a:ext>
             </a:extLst>
           </p:cNvPr>
@@ -252,7 +252,7 @@
           <a:bodyPr/>
           <a:lstStyle/>
           <a:p>
-            <a:fld id="{1BC9A7F9-31D1-4C9F-9207-D57F1B8C122B}" type="datetimeFigureOut">
+            <a:fld id="{86ECD86D-A183-4ACE-96E0-CFE2E2F31C9E}" type="datetimeFigureOut">
               <a:rPr lang="zh-CN" altLang="en-US" smtClean="0"/>
               <a:t>2024/3/10</a:t>
             </a:fld>
@@ -265,7 +265,7 @@
           <p:cNvPr id="5" name="页脚占位符 4">
             <a:extLst>
               <a:ext uri="{FF2B5EF4-FFF2-40B4-BE49-F238E27FC236}">
-                <a16:creationId xmlns:a16="http://schemas.microsoft.com/office/drawing/2014/main" id="{9AE2FD99-EFA4-D38E-1054-1C4074E10412}"/>
+                <a16:creationId xmlns:a16="http://schemas.microsoft.com/office/drawing/2014/main" id="{60F077E1-696B-A348-E568-A7FDA59D03F6}"/>
               </a:ext>
             </a:extLst>
           </p:cNvPr>
@@ -290,7 +290,7 @@
           <p:cNvPr id="6" name="灯片编号占位符 5">
             <a:extLst>
               <a:ext uri="{FF2B5EF4-FFF2-40B4-BE49-F238E27FC236}">
-                <a16:creationId xmlns:a16="http://schemas.microsoft.com/office/drawing/2014/main" id="{04FFEA56-A0F1-258F-DCE0-277E62B125B6}"/>
+                <a16:creationId xmlns:a16="http://schemas.microsoft.com/office/drawing/2014/main" id="{A14F87EB-244A-015E-610B-43B6EE1A8E8B}"/>
               </a:ext>
             </a:extLst>
           </p:cNvPr>
@@ -306,7 +306,7 @@
           <a:bodyPr/>
           <a:lstStyle/>
           <a:p>
-            <a:fld id="{FF4726ED-18BE-4071-B881-B25E2B8E338A}" type="slidenum">
+            <a:fld id="{74D6E48F-C7F4-49F8-BCAB-62701B75228E}" type="slidenum">
               <a:rPr lang="zh-CN" altLang="en-US" smtClean="0"/>
               <a:t>‹#›</a:t>
             </a:fld>
@@ -317,7 +317,7 @@
     </p:spTree>
     <p:extLst>
       <p:ext uri="{BB962C8B-B14F-4D97-AF65-F5344CB8AC3E}">
-        <p14:creationId xmlns:p14="http://schemas.microsoft.com/office/powerpoint/2010/main" val="3535463312"/>
+        <p14:creationId xmlns:p14="http://schemas.microsoft.com/office/powerpoint/2010/main" val="577115741"/>
       </p:ext>
     </p:extLst>
   </p:cSld>
@@ -349,7 +349,7 @@
           <p:cNvPr id="2" name="标题 1">
             <a:extLst>
               <a:ext uri="{FF2B5EF4-FFF2-40B4-BE49-F238E27FC236}">
-                <a16:creationId xmlns:a16="http://schemas.microsoft.com/office/drawing/2014/main" id="{F03C43CC-7F3A-E42F-60EE-1945FB07A93F}"/>
+                <a16:creationId xmlns:a16="http://schemas.microsoft.com/office/drawing/2014/main" id="{4E34549E-97B8-B573-BF7D-8778F31755A3}"/>
               </a:ext>
             </a:extLst>
           </p:cNvPr>
@@ -377,7 +377,7 @@
           <p:cNvPr id="3" name="竖排文字占位符 2">
             <a:extLst>
               <a:ext uri="{FF2B5EF4-FFF2-40B4-BE49-F238E27FC236}">
-                <a16:creationId xmlns:a16="http://schemas.microsoft.com/office/drawing/2014/main" id="{36F6CEA8-60D6-C2A1-C2DB-AD68D88B6E3E}"/>
+                <a16:creationId xmlns:a16="http://schemas.microsoft.com/office/drawing/2014/main" id="{0A965D7E-1B23-57B0-117A-06507AF61050}"/>
               </a:ext>
             </a:extLst>
           </p:cNvPr>
@@ -434,7 +434,7 @@
           <p:cNvPr id="4" name="日期占位符 3">
             <a:extLst>
               <a:ext uri="{FF2B5EF4-FFF2-40B4-BE49-F238E27FC236}">
-                <a16:creationId xmlns:a16="http://schemas.microsoft.com/office/drawing/2014/main" id="{5E99DC40-AD03-1612-89CE-87D1513707B4}"/>
+                <a16:creationId xmlns:a16="http://schemas.microsoft.com/office/drawing/2014/main" id="{7E97A09A-3CD3-9F54-01EA-C322234A2582}"/>
               </a:ext>
             </a:extLst>
           </p:cNvPr>
@@ -450,7 +450,7 @@
           <a:bodyPr/>
           <a:lstStyle/>
           <a:p>
-            <a:fld id="{1BC9A7F9-31D1-4C9F-9207-D57F1B8C122B}" type="datetimeFigureOut">
+            <a:fld id="{86ECD86D-A183-4ACE-96E0-CFE2E2F31C9E}" type="datetimeFigureOut">
               <a:rPr lang="zh-CN" altLang="en-US" smtClean="0"/>
               <a:t>2024/3/10</a:t>
             </a:fld>
@@ -463,7 +463,7 @@
           <p:cNvPr id="5" name="页脚占位符 4">
             <a:extLst>
               <a:ext uri="{FF2B5EF4-FFF2-40B4-BE49-F238E27FC236}">
-                <a16:creationId xmlns:a16="http://schemas.microsoft.com/office/drawing/2014/main" id="{5EF22BAD-940A-BEB5-F949-25651EFEE0E2}"/>
+                <a16:creationId xmlns:a16="http://schemas.microsoft.com/office/drawing/2014/main" id="{BA7AE16E-D8FF-A254-9366-0A9F0A1DB83E}"/>
               </a:ext>
             </a:extLst>
           </p:cNvPr>
@@ -488,7 +488,7 @@
           <p:cNvPr id="6" name="灯片编号占位符 5">
             <a:extLst>
               <a:ext uri="{FF2B5EF4-FFF2-40B4-BE49-F238E27FC236}">
-                <a16:creationId xmlns:a16="http://schemas.microsoft.com/office/drawing/2014/main" id="{BC437FB9-873B-F273-FB54-17F1F3A4C3C4}"/>
+                <a16:creationId xmlns:a16="http://schemas.microsoft.com/office/drawing/2014/main" id="{C1E9E676-1BD1-8997-0CFC-53E77263B748}"/>
               </a:ext>
             </a:extLst>
           </p:cNvPr>
@@ -504,7 +504,7 @@
           <a:bodyPr/>
           <a:lstStyle/>
           <a:p>
-            <a:fld id="{FF4726ED-18BE-4071-B881-B25E2B8E338A}" type="slidenum">
+            <a:fld id="{74D6E48F-C7F4-49F8-BCAB-62701B75228E}" type="slidenum">
               <a:rPr lang="zh-CN" altLang="en-US" smtClean="0"/>
               <a:t>‹#›</a:t>
             </a:fld>
@@ -515,7 +515,7 @@
     </p:spTree>
     <p:extLst>
       <p:ext uri="{BB962C8B-B14F-4D97-AF65-F5344CB8AC3E}">
-        <p14:creationId xmlns:p14="http://schemas.microsoft.com/office/powerpoint/2010/main" val="2112770025"/>
+        <p14:creationId xmlns:p14="http://schemas.microsoft.com/office/powerpoint/2010/main" val="2949115288"/>
       </p:ext>
     </p:extLst>
   </p:cSld>
@@ -547,7 +547,7 @@
           <p:cNvPr id="2" name="竖排标题 1">
             <a:extLst>
               <a:ext uri="{FF2B5EF4-FFF2-40B4-BE49-F238E27FC236}">
-                <a16:creationId xmlns:a16="http://schemas.microsoft.com/office/drawing/2014/main" id="{909D6878-7A73-A73A-49AB-6436EFF6CA24}"/>
+                <a16:creationId xmlns:a16="http://schemas.microsoft.com/office/drawing/2014/main" id="{62DE1E2E-DF1C-338B-D917-FF898AF03B27}"/>
               </a:ext>
             </a:extLst>
           </p:cNvPr>
@@ -580,7 +580,7 @@
           <p:cNvPr id="3" name="竖排文字占位符 2">
             <a:extLst>
               <a:ext uri="{FF2B5EF4-FFF2-40B4-BE49-F238E27FC236}">
-                <a16:creationId xmlns:a16="http://schemas.microsoft.com/office/drawing/2014/main" id="{46A45724-134C-2D76-5332-BCDC860D715E}"/>
+                <a16:creationId xmlns:a16="http://schemas.microsoft.com/office/drawing/2014/main" id="{FA3FDBE9-0A88-D730-5872-2EF7EC0DF72A}"/>
               </a:ext>
             </a:extLst>
           </p:cNvPr>
@@ -642,7 +642,7 @@
           <p:cNvPr id="4" name="日期占位符 3">
             <a:extLst>
               <a:ext uri="{FF2B5EF4-FFF2-40B4-BE49-F238E27FC236}">
-                <a16:creationId xmlns:a16="http://schemas.microsoft.com/office/drawing/2014/main" id="{595BE082-2DAA-3541-48BE-53D2B41A103E}"/>
+                <a16:creationId xmlns:a16="http://schemas.microsoft.com/office/drawing/2014/main" id="{27FDB27D-F88A-028D-8B5D-6F94011AB872}"/>
               </a:ext>
             </a:extLst>
           </p:cNvPr>
@@ -658,7 +658,7 @@
           <a:bodyPr/>
           <a:lstStyle/>
           <a:p>
-            <a:fld id="{1BC9A7F9-31D1-4C9F-9207-D57F1B8C122B}" type="datetimeFigureOut">
+            <a:fld id="{86ECD86D-A183-4ACE-96E0-CFE2E2F31C9E}" type="datetimeFigureOut">
               <a:rPr lang="zh-CN" altLang="en-US" smtClean="0"/>
               <a:t>2024/3/10</a:t>
             </a:fld>
@@ -671,7 +671,7 @@
           <p:cNvPr id="5" name="页脚占位符 4">
             <a:extLst>
               <a:ext uri="{FF2B5EF4-FFF2-40B4-BE49-F238E27FC236}">
-                <a16:creationId xmlns:a16="http://schemas.microsoft.com/office/drawing/2014/main" id="{BBDC91D9-9C04-CBD0-E3E6-E4167C22C90B}"/>
+                <a16:creationId xmlns:a16="http://schemas.microsoft.com/office/drawing/2014/main" id="{FA4F7D11-ADF6-DA99-DD83-E2E8FB388622}"/>
               </a:ext>
             </a:extLst>
           </p:cNvPr>
@@ -696,7 +696,7 @@
           <p:cNvPr id="6" name="灯片编号占位符 5">
             <a:extLst>
               <a:ext uri="{FF2B5EF4-FFF2-40B4-BE49-F238E27FC236}">
-                <a16:creationId xmlns:a16="http://schemas.microsoft.com/office/drawing/2014/main" id="{CBD6D173-49C6-2AA4-E9A8-558561FDD2D6}"/>
+                <a16:creationId xmlns:a16="http://schemas.microsoft.com/office/drawing/2014/main" id="{2F69296D-713A-4B12-6469-2039AAE8B671}"/>
               </a:ext>
             </a:extLst>
           </p:cNvPr>
@@ -712,7 +712,7 @@
           <a:bodyPr/>
           <a:lstStyle/>
           <a:p>
-            <a:fld id="{FF4726ED-18BE-4071-B881-B25E2B8E338A}" type="slidenum">
+            <a:fld id="{74D6E48F-C7F4-49F8-BCAB-62701B75228E}" type="slidenum">
               <a:rPr lang="zh-CN" altLang="en-US" smtClean="0"/>
               <a:t>‹#›</a:t>
             </a:fld>
@@ -723,7 +723,7 @@
     </p:spTree>
     <p:extLst>
       <p:ext uri="{BB962C8B-B14F-4D97-AF65-F5344CB8AC3E}">
-        <p14:creationId xmlns:p14="http://schemas.microsoft.com/office/powerpoint/2010/main" val="1502617731"/>
+        <p14:creationId xmlns:p14="http://schemas.microsoft.com/office/powerpoint/2010/main" val="1962497447"/>
       </p:ext>
     </p:extLst>
   </p:cSld>
@@ -755,7 +755,7 @@
           <p:cNvPr id="2" name="标题 1">
             <a:extLst>
               <a:ext uri="{FF2B5EF4-FFF2-40B4-BE49-F238E27FC236}">
-                <a16:creationId xmlns:a16="http://schemas.microsoft.com/office/drawing/2014/main" id="{76EDBBB3-0310-209D-B8CF-FCE9473A48BD}"/>
+                <a16:creationId xmlns:a16="http://schemas.microsoft.com/office/drawing/2014/main" id="{087141F1-A2EB-E198-7F93-8AB2861A28A6}"/>
               </a:ext>
             </a:extLst>
           </p:cNvPr>
@@ -783,7 +783,7 @@
           <p:cNvPr id="3" name="内容占位符 2">
             <a:extLst>
               <a:ext uri="{FF2B5EF4-FFF2-40B4-BE49-F238E27FC236}">
-                <a16:creationId xmlns:a16="http://schemas.microsoft.com/office/drawing/2014/main" id="{638EE789-6B42-331D-3291-2E369C00E124}"/>
+                <a16:creationId xmlns:a16="http://schemas.microsoft.com/office/drawing/2014/main" id="{4A002C69-E74B-A516-55C9-902F3D8CF489}"/>
               </a:ext>
             </a:extLst>
           </p:cNvPr>
@@ -840,7 +840,7 @@
           <p:cNvPr id="4" name="日期占位符 3">
             <a:extLst>
               <a:ext uri="{FF2B5EF4-FFF2-40B4-BE49-F238E27FC236}">
-                <a16:creationId xmlns:a16="http://schemas.microsoft.com/office/drawing/2014/main" id="{E8813D0B-8B61-E0A0-4EC9-2C99BFE7B77D}"/>
+                <a16:creationId xmlns:a16="http://schemas.microsoft.com/office/drawing/2014/main" id="{B4F636F3-DFF5-DBE4-1C9E-82C224267950}"/>
               </a:ext>
             </a:extLst>
           </p:cNvPr>
@@ -856,7 +856,7 @@
           <a:bodyPr/>
           <a:lstStyle/>
           <a:p>
-            <a:fld id="{1BC9A7F9-31D1-4C9F-9207-D57F1B8C122B}" type="datetimeFigureOut">
+            <a:fld id="{86ECD86D-A183-4ACE-96E0-CFE2E2F31C9E}" type="datetimeFigureOut">
               <a:rPr lang="zh-CN" altLang="en-US" smtClean="0"/>
               <a:t>2024/3/10</a:t>
             </a:fld>
@@ -869,7 +869,7 @@
           <p:cNvPr id="5" name="页脚占位符 4">
             <a:extLst>
               <a:ext uri="{FF2B5EF4-FFF2-40B4-BE49-F238E27FC236}">
-                <a16:creationId xmlns:a16="http://schemas.microsoft.com/office/drawing/2014/main" id="{7C416E06-52F6-D474-BD41-B553AB16CCDB}"/>
+                <a16:creationId xmlns:a16="http://schemas.microsoft.com/office/drawing/2014/main" id="{B32A22AC-1B77-13BA-6482-104A968833EB}"/>
               </a:ext>
             </a:extLst>
           </p:cNvPr>
@@ -894,7 +894,7 @@
           <p:cNvPr id="6" name="灯片编号占位符 5">
             <a:extLst>
               <a:ext uri="{FF2B5EF4-FFF2-40B4-BE49-F238E27FC236}">
-                <a16:creationId xmlns:a16="http://schemas.microsoft.com/office/drawing/2014/main" id="{8818389E-68D6-1FD1-0A29-8ADEA558F8DB}"/>
+                <a16:creationId xmlns:a16="http://schemas.microsoft.com/office/drawing/2014/main" id="{C0406F54-4A47-98B4-1E63-83E399A06A01}"/>
               </a:ext>
             </a:extLst>
           </p:cNvPr>
@@ -910,7 +910,7 @@
           <a:bodyPr/>
           <a:lstStyle/>
           <a:p>
-            <a:fld id="{FF4726ED-18BE-4071-B881-B25E2B8E338A}" type="slidenum">
+            <a:fld id="{74D6E48F-C7F4-49F8-BCAB-62701B75228E}" type="slidenum">
               <a:rPr lang="zh-CN" altLang="en-US" smtClean="0"/>
               <a:t>‹#›</a:t>
             </a:fld>
@@ -921,7 +921,7 @@
     </p:spTree>
     <p:extLst>
       <p:ext uri="{BB962C8B-B14F-4D97-AF65-F5344CB8AC3E}">
-        <p14:creationId xmlns:p14="http://schemas.microsoft.com/office/powerpoint/2010/main" val="1996372900"/>
+        <p14:creationId xmlns:p14="http://schemas.microsoft.com/office/powerpoint/2010/main" val="2166271920"/>
       </p:ext>
     </p:extLst>
   </p:cSld>
@@ -953,7 +953,7 @@
           <p:cNvPr id="2" name="标题 1">
             <a:extLst>
               <a:ext uri="{FF2B5EF4-FFF2-40B4-BE49-F238E27FC236}">
-                <a16:creationId xmlns:a16="http://schemas.microsoft.com/office/drawing/2014/main" id="{A3344BAB-AB51-41E2-C694-AF6083D9B5AF}"/>
+                <a16:creationId xmlns:a16="http://schemas.microsoft.com/office/drawing/2014/main" id="{FB6BCA2C-7B99-3E8A-855B-1982F63BF06D}"/>
               </a:ext>
             </a:extLst>
           </p:cNvPr>
@@ -990,7 +990,7 @@
           <p:cNvPr id="3" name="文本占位符 2">
             <a:extLst>
               <a:ext uri="{FF2B5EF4-FFF2-40B4-BE49-F238E27FC236}">
-                <a16:creationId xmlns:a16="http://schemas.microsoft.com/office/drawing/2014/main" id="{06B88A54-6A5D-FDA7-5486-08B762E746DC}"/>
+                <a16:creationId xmlns:a16="http://schemas.microsoft.com/office/drawing/2014/main" id="{B1F3270F-105C-7997-409F-3104A7BF2347}"/>
               </a:ext>
             </a:extLst>
           </p:cNvPr>
@@ -1115,7 +1115,7 @@
           <p:cNvPr id="4" name="日期占位符 3">
             <a:extLst>
               <a:ext uri="{FF2B5EF4-FFF2-40B4-BE49-F238E27FC236}">
-                <a16:creationId xmlns:a16="http://schemas.microsoft.com/office/drawing/2014/main" id="{B21D8B32-09DB-0E02-84FC-FDF13BFA5718}"/>
+                <a16:creationId xmlns:a16="http://schemas.microsoft.com/office/drawing/2014/main" id="{5D264B89-2670-CA37-2410-1BD7CD2ED845}"/>
               </a:ext>
             </a:extLst>
           </p:cNvPr>
@@ -1131,7 +1131,7 @@
           <a:bodyPr/>
           <a:lstStyle/>
           <a:p>
-            <a:fld id="{1BC9A7F9-31D1-4C9F-9207-D57F1B8C122B}" type="datetimeFigureOut">
+            <a:fld id="{86ECD86D-A183-4ACE-96E0-CFE2E2F31C9E}" type="datetimeFigureOut">
               <a:rPr lang="zh-CN" altLang="en-US" smtClean="0"/>
               <a:t>2024/3/10</a:t>
             </a:fld>
@@ -1144,7 +1144,7 @@
           <p:cNvPr id="5" name="页脚占位符 4">
             <a:extLst>
               <a:ext uri="{FF2B5EF4-FFF2-40B4-BE49-F238E27FC236}">
-                <a16:creationId xmlns:a16="http://schemas.microsoft.com/office/drawing/2014/main" id="{C39BACDD-A846-CB2C-EBCB-DFBA16656C19}"/>
+                <a16:creationId xmlns:a16="http://schemas.microsoft.com/office/drawing/2014/main" id="{F7913E80-0386-0BE9-90DC-F45156C845FB}"/>
               </a:ext>
             </a:extLst>
           </p:cNvPr>
@@ -1169,7 +1169,7 @@
           <p:cNvPr id="6" name="灯片编号占位符 5">
             <a:extLst>
               <a:ext uri="{FF2B5EF4-FFF2-40B4-BE49-F238E27FC236}">
-                <a16:creationId xmlns:a16="http://schemas.microsoft.com/office/drawing/2014/main" id="{84B7E023-428C-454E-729C-A58292DF9460}"/>
+                <a16:creationId xmlns:a16="http://schemas.microsoft.com/office/drawing/2014/main" id="{1743FF0A-7D62-90A2-39B3-B90A0BE8D55B}"/>
               </a:ext>
             </a:extLst>
           </p:cNvPr>
@@ -1185,7 +1185,7 @@
           <a:bodyPr/>
           <a:lstStyle/>
           <a:p>
-            <a:fld id="{FF4726ED-18BE-4071-B881-B25E2B8E338A}" type="slidenum">
+            <a:fld id="{74D6E48F-C7F4-49F8-BCAB-62701B75228E}" type="slidenum">
               <a:rPr lang="zh-CN" altLang="en-US" smtClean="0"/>
               <a:t>‹#›</a:t>
             </a:fld>
@@ -1196,7 +1196,7 @@
     </p:spTree>
     <p:extLst>
       <p:ext uri="{BB962C8B-B14F-4D97-AF65-F5344CB8AC3E}">
-        <p14:creationId xmlns:p14="http://schemas.microsoft.com/office/powerpoint/2010/main" val="2283368483"/>
+        <p14:creationId xmlns:p14="http://schemas.microsoft.com/office/powerpoint/2010/main" val="1929716520"/>
       </p:ext>
     </p:extLst>
   </p:cSld>
@@ -1228,7 +1228,7 @@
           <p:cNvPr id="2" name="标题 1">
             <a:extLst>
               <a:ext uri="{FF2B5EF4-FFF2-40B4-BE49-F238E27FC236}">
-                <a16:creationId xmlns:a16="http://schemas.microsoft.com/office/drawing/2014/main" id="{33B974EE-29D2-03CC-356C-2656ACEF06AB}"/>
+                <a16:creationId xmlns:a16="http://schemas.microsoft.com/office/drawing/2014/main" id="{2EA5B146-5C0A-D8D6-546E-C9B925BA53BB}"/>
               </a:ext>
             </a:extLst>
           </p:cNvPr>
@@ -1256,7 +1256,7 @@
           <p:cNvPr id="3" name="内容占位符 2">
             <a:extLst>
               <a:ext uri="{FF2B5EF4-FFF2-40B4-BE49-F238E27FC236}">
-                <a16:creationId xmlns:a16="http://schemas.microsoft.com/office/drawing/2014/main" id="{8C43B014-D956-9EFC-3DA0-685003C85B69}"/>
+                <a16:creationId xmlns:a16="http://schemas.microsoft.com/office/drawing/2014/main" id="{5EC981B9-A3B2-A258-D42D-E19DB9590433}"/>
               </a:ext>
             </a:extLst>
           </p:cNvPr>
@@ -1318,7 +1318,7 @@
           <p:cNvPr id="4" name="内容占位符 3">
             <a:extLst>
               <a:ext uri="{FF2B5EF4-FFF2-40B4-BE49-F238E27FC236}">
-                <a16:creationId xmlns:a16="http://schemas.microsoft.com/office/drawing/2014/main" id="{160ECD7B-6471-836D-4B18-5685FB5EA35F}"/>
+                <a16:creationId xmlns:a16="http://schemas.microsoft.com/office/drawing/2014/main" id="{60CC780A-24D9-6DB1-88DC-4515D098E48A}"/>
               </a:ext>
             </a:extLst>
           </p:cNvPr>
@@ -1380,7 +1380,7 @@
           <p:cNvPr id="5" name="日期占位符 4">
             <a:extLst>
               <a:ext uri="{FF2B5EF4-FFF2-40B4-BE49-F238E27FC236}">
-                <a16:creationId xmlns:a16="http://schemas.microsoft.com/office/drawing/2014/main" id="{642A9A71-5A27-5C80-CA78-0EC24551CC63}"/>
+                <a16:creationId xmlns:a16="http://schemas.microsoft.com/office/drawing/2014/main" id="{48F1F4C4-DB5E-52E3-FCE8-30D8636E92E3}"/>
               </a:ext>
             </a:extLst>
           </p:cNvPr>
@@ -1396,7 +1396,7 @@
           <a:bodyPr/>
           <a:lstStyle/>
           <a:p>
-            <a:fld id="{1BC9A7F9-31D1-4C9F-9207-D57F1B8C122B}" type="datetimeFigureOut">
+            <a:fld id="{86ECD86D-A183-4ACE-96E0-CFE2E2F31C9E}" type="datetimeFigureOut">
               <a:rPr lang="zh-CN" altLang="en-US" smtClean="0"/>
               <a:t>2024/3/10</a:t>
             </a:fld>
@@ -1409,7 +1409,7 @@
           <p:cNvPr id="6" name="页脚占位符 5">
             <a:extLst>
               <a:ext uri="{FF2B5EF4-FFF2-40B4-BE49-F238E27FC236}">
-                <a16:creationId xmlns:a16="http://schemas.microsoft.com/office/drawing/2014/main" id="{9D7C6A54-8760-DEE0-FD54-850BDC10BDA4}"/>
+                <a16:creationId xmlns:a16="http://schemas.microsoft.com/office/drawing/2014/main" id="{2CCC549F-CB9A-3F49-28D7-FAF43832B0E2}"/>
               </a:ext>
             </a:extLst>
           </p:cNvPr>
@@ -1434,7 +1434,7 @@
           <p:cNvPr id="7" name="灯片编号占位符 6">
             <a:extLst>
               <a:ext uri="{FF2B5EF4-FFF2-40B4-BE49-F238E27FC236}">
-                <a16:creationId xmlns:a16="http://schemas.microsoft.com/office/drawing/2014/main" id="{AFBFEAA0-8C79-6978-939D-436488E672F5}"/>
+                <a16:creationId xmlns:a16="http://schemas.microsoft.com/office/drawing/2014/main" id="{71D8688D-BF2B-0012-9908-1AB6B9EC27A8}"/>
               </a:ext>
             </a:extLst>
           </p:cNvPr>
@@ -1450,7 +1450,7 @@
           <a:bodyPr/>
           <a:lstStyle/>
           <a:p>
-            <a:fld id="{FF4726ED-18BE-4071-B881-B25E2B8E338A}" type="slidenum">
+            <a:fld id="{74D6E48F-C7F4-49F8-BCAB-62701B75228E}" type="slidenum">
               <a:rPr lang="zh-CN" altLang="en-US" smtClean="0"/>
               <a:t>‹#›</a:t>
             </a:fld>
@@ -1461,7 +1461,7 @@
     </p:spTree>
     <p:extLst>
       <p:ext uri="{BB962C8B-B14F-4D97-AF65-F5344CB8AC3E}">
-        <p14:creationId xmlns:p14="http://schemas.microsoft.com/office/powerpoint/2010/main" val="615779238"/>
+        <p14:creationId xmlns:p14="http://schemas.microsoft.com/office/powerpoint/2010/main" val="3081440807"/>
       </p:ext>
     </p:extLst>
   </p:cSld>
@@ -1493,7 +1493,7 @@
           <p:cNvPr id="2" name="标题 1">
             <a:extLst>
               <a:ext uri="{FF2B5EF4-FFF2-40B4-BE49-F238E27FC236}">
-                <a16:creationId xmlns:a16="http://schemas.microsoft.com/office/drawing/2014/main" id="{1F328151-A15A-154B-A005-67D735EB48A0}"/>
+                <a16:creationId xmlns:a16="http://schemas.microsoft.com/office/drawing/2014/main" id="{F7F98D2D-AE6F-73A1-0C04-2B66D863D4B8}"/>
               </a:ext>
             </a:extLst>
           </p:cNvPr>
@@ -1526,7 +1526,7 @@
           <p:cNvPr id="3" name="文本占位符 2">
             <a:extLst>
               <a:ext uri="{FF2B5EF4-FFF2-40B4-BE49-F238E27FC236}">
-                <a16:creationId xmlns:a16="http://schemas.microsoft.com/office/drawing/2014/main" id="{9627D351-F498-C757-5686-3317D253F009}"/>
+                <a16:creationId xmlns:a16="http://schemas.microsoft.com/office/drawing/2014/main" id="{48590D81-98B8-2CD4-82AB-F2F156EB0CCC}"/>
               </a:ext>
             </a:extLst>
           </p:cNvPr>
@@ -1597,7 +1597,7 @@
           <p:cNvPr id="4" name="内容占位符 3">
             <a:extLst>
               <a:ext uri="{FF2B5EF4-FFF2-40B4-BE49-F238E27FC236}">
-                <a16:creationId xmlns:a16="http://schemas.microsoft.com/office/drawing/2014/main" id="{804E7990-A4F9-3366-BE62-E8CAE5FEA5D9}"/>
+                <a16:creationId xmlns:a16="http://schemas.microsoft.com/office/drawing/2014/main" id="{785F576F-3647-B051-7200-71569F8E631D}"/>
               </a:ext>
             </a:extLst>
           </p:cNvPr>
@@ -1659,7 +1659,7 @@
           <p:cNvPr id="5" name="文本占位符 4">
             <a:extLst>
               <a:ext uri="{FF2B5EF4-FFF2-40B4-BE49-F238E27FC236}">
-                <a16:creationId xmlns:a16="http://schemas.microsoft.com/office/drawing/2014/main" id="{2E244BB2-41CF-DC12-D7C5-7981729CA7C9}"/>
+                <a16:creationId xmlns:a16="http://schemas.microsoft.com/office/drawing/2014/main" id="{EBDCB724-4BE7-CCD8-32A3-1E6FF3B53533}"/>
               </a:ext>
             </a:extLst>
           </p:cNvPr>
@@ -1730,7 +1730,7 @@
           <p:cNvPr id="6" name="内容占位符 5">
             <a:extLst>
               <a:ext uri="{FF2B5EF4-FFF2-40B4-BE49-F238E27FC236}">
-                <a16:creationId xmlns:a16="http://schemas.microsoft.com/office/drawing/2014/main" id="{A11D2DC1-BB2B-D8F6-66AD-45E74AED2FFB}"/>
+                <a16:creationId xmlns:a16="http://schemas.microsoft.com/office/drawing/2014/main" id="{54F7E977-75D5-3FD4-779A-F7AE4B28D54D}"/>
               </a:ext>
             </a:extLst>
           </p:cNvPr>
@@ -1792,7 +1792,7 @@
           <p:cNvPr id="7" name="日期占位符 6">
             <a:extLst>
               <a:ext uri="{FF2B5EF4-FFF2-40B4-BE49-F238E27FC236}">
-                <a16:creationId xmlns:a16="http://schemas.microsoft.com/office/drawing/2014/main" id="{45944902-016A-ACBB-C497-840D92945CE3}"/>
+                <a16:creationId xmlns:a16="http://schemas.microsoft.com/office/drawing/2014/main" id="{3B42EB8B-54A7-5898-4CAB-48D873FE3392}"/>
               </a:ext>
             </a:extLst>
           </p:cNvPr>
@@ -1808,7 +1808,7 @@
           <a:bodyPr/>
           <a:lstStyle/>
           <a:p>
-            <a:fld id="{1BC9A7F9-31D1-4C9F-9207-D57F1B8C122B}" type="datetimeFigureOut">
+            <a:fld id="{86ECD86D-A183-4ACE-96E0-CFE2E2F31C9E}" type="datetimeFigureOut">
               <a:rPr lang="zh-CN" altLang="en-US" smtClean="0"/>
               <a:t>2024/3/10</a:t>
             </a:fld>
@@ -1821,7 +1821,7 @@
           <p:cNvPr id="8" name="页脚占位符 7">
             <a:extLst>
               <a:ext uri="{FF2B5EF4-FFF2-40B4-BE49-F238E27FC236}">
-                <a16:creationId xmlns:a16="http://schemas.microsoft.com/office/drawing/2014/main" id="{791E2A89-DD3A-3B1A-893A-A62DDEA70F7E}"/>
+                <a16:creationId xmlns:a16="http://schemas.microsoft.com/office/drawing/2014/main" id="{1B7C167E-732D-5A03-F442-8340A031CAA8}"/>
               </a:ext>
             </a:extLst>
           </p:cNvPr>
@@ -1846,7 +1846,7 @@
           <p:cNvPr id="9" name="灯片编号占位符 8">
             <a:extLst>
               <a:ext uri="{FF2B5EF4-FFF2-40B4-BE49-F238E27FC236}">
-                <a16:creationId xmlns:a16="http://schemas.microsoft.com/office/drawing/2014/main" id="{2D1FB4C8-E790-115F-4127-FE2EBBF8FB0A}"/>
+                <a16:creationId xmlns:a16="http://schemas.microsoft.com/office/drawing/2014/main" id="{BC5F0D9D-2028-DE48-4645-A52AE0EB54C0}"/>
               </a:ext>
             </a:extLst>
           </p:cNvPr>
@@ -1862,7 +1862,7 @@
           <a:bodyPr/>
           <a:lstStyle/>
           <a:p>
-            <a:fld id="{FF4726ED-18BE-4071-B881-B25E2B8E338A}" type="slidenum">
+            <a:fld id="{74D6E48F-C7F4-49F8-BCAB-62701B75228E}" type="slidenum">
               <a:rPr lang="zh-CN" altLang="en-US" smtClean="0"/>
               <a:t>‹#›</a:t>
             </a:fld>
@@ -1873,7 +1873,7 @@
     </p:spTree>
     <p:extLst>
       <p:ext uri="{BB962C8B-B14F-4D97-AF65-F5344CB8AC3E}">
-        <p14:creationId xmlns:p14="http://schemas.microsoft.com/office/powerpoint/2010/main" val="3906025560"/>
+        <p14:creationId xmlns:p14="http://schemas.microsoft.com/office/powerpoint/2010/main" val="1395348017"/>
       </p:ext>
     </p:extLst>
   </p:cSld>
@@ -1905,7 +1905,7 @@
           <p:cNvPr id="2" name="标题 1">
             <a:extLst>
               <a:ext uri="{FF2B5EF4-FFF2-40B4-BE49-F238E27FC236}">
-                <a16:creationId xmlns:a16="http://schemas.microsoft.com/office/drawing/2014/main" id="{712E9EFD-8D10-BC37-8A99-8D6E8EA7614B}"/>
+                <a16:creationId xmlns:a16="http://schemas.microsoft.com/office/drawing/2014/main" id="{43C1DDC2-1475-78BB-94E8-88683F1B57EB}"/>
               </a:ext>
             </a:extLst>
           </p:cNvPr>
@@ -1933,7 +1933,7 @@
           <p:cNvPr id="3" name="日期占位符 2">
             <a:extLst>
               <a:ext uri="{FF2B5EF4-FFF2-40B4-BE49-F238E27FC236}">
-                <a16:creationId xmlns:a16="http://schemas.microsoft.com/office/drawing/2014/main" id="{CB6CC782-52AA-02E7-59C0-AC8E9284C2C4}"/>
+                <a16:creationId xmlns:a16="http://schemas.microsoft.com/office/drawing/2014/main" id="{8872CDC3-073F-01A3-2D91-630CC8C69BA8}"/>
               </a:ext>
             </a:extLst>
           </p:cNvPr>
@@ -1949,7 +1949,7 @@
           <a:bodyPr/>
           <a:lstStyle/>
           <a:p>
-            <a:fld id="{1BC9A7F9-31D1-4C9F-9207-D57F1B8C122B}" type="datetimeFigureOut">
+            <a:fld id="{86ECD86D-A183-4ACE-96E0-CFE2E2F31C9E}" type="datetimeFigureOut">
               <a:rPr lang="zh-CN" altLang="en-US" smtClean="0"/>
               <a:t>2024/3/10</a:t>
             </a:fld>
@@ -1962,7 +1962,7 @@
           <p:cNvPr id="4" name="页脚占位符 3">
             <a:extLst>
               <a:ext uri="{FF2B5EF4-FFF2-40B4-BE49-F238E27FC236}">
-                <a16:creationId xmlns:a16="http://schemas.microsoft.com/office/drawing/2014/main" id="{A7CC0DA8-0805-C961-A237-77CB6908057A}"/>
+                <a16:creationId xmlns:a16="http://schemas.microsoft.com/office/drawing/2014/main" id="{10D94546-E339-1740-4FD8-7804738F8C10}"/>
               </a:ext>
             </a:extLst>
           </p:cNvPr>
@@ -1987,7 +1987,7 @@
           <p:cNvPr id="5" name="灯片编号占位符 4">
             <a:extLst>
               <a:ext uri="{FF2B5EF4-FFF2-40B4-BE49-F238E27FC236}">
-                <a16:creationId xmlns:a16="http://schemas.microsoft.com/office/drawing/2014/main" id="{B407BE93-4E19-CF01-4C10-BAA90F9EAA81}"/>
+                <a16:creationId xmlns:a16="http://schemas.microsoft.com/office/drawing/2014/main" id="{BEBF5689-F881-2D40-A42B-E6795FF82449}"/>
               </a:ext>
             </a:extLst>
           </p:cNvPr>
@@ -2003,7 +2003,7 @@
           <a:bodyPr/>
           <a:lstStyle/>
           <a:p>
-            <a:fld id="{FF4726ED-18BE-4071-B881-B25E2B8E338A}" type="slidenum">
+            <a:fld id="{74D6E48F-C7F4-49F8-BCAB-62701B75228E}" type="slidenum">
               <a:rPr lang="zh-CN" altLang="en-US" smtClean="0"/>
               <a:t>‹#›</a:t>
             </a:fld>
@@ -2014,7 +2014,7 @@
     </p:spTree>
     <p:extLst>
       <p:ext uri="{BB962C8B-B14F-4D97-AF65-F5344CB8AC3E}">
-        <p14:creationId xmlns:p14="http://schemas.microsoft.com/office/powerpoint/2010/main" val="2346080766"/>
+        <p14:creationId xmlns:p14="http://schemas.microsoft.com/office/powerpoint/2010/main" val="534752401"/>
       </p:ext>
     </p:extLst>
   </p:cSld>
@@ -2046,7 +2046,7 @@
           <p:cNvPr id="2" name="日期占位符 1">
             <a:extLst>
               <a:ext uri="{FF2B5EF4-FFF2-40B4-BE49-F238E27FC236}">
-                <a16:creationId xmlns:a16="http://schemas.microsoft.com/office/drawing/2014/main" id="{D4838170-C487-F1CB-BDFD-E03312E27D6B}"/>
+                <a16:creationId xmlns:a16="http://schemas.microsoft.com/office/drawing/2014/main" id="{F83162EA-D9F4-4C47-DF29-E89B05BC40FA}"/>
               </a:ext>
             </a:extLst>
           </p:cNvPr>
@@ -2062,7 +2062,7 @@
           <a:bodyPr/>
           <a:lstStyle/>
           <a:p>
-            <a:fld id="{1BC9A7F9-31D1-4C9F-9207-D57F1B8C122B}" type="datetimeFigureOut">
+            <a:fld id="{86ECD86D-A183-4ACE-96E0-CFE2E2F31C9E}" type="datetimeFigureOut">
               <a:rPr lang="zh-CN" altLang="en-US" smtClean="0"/>
               <a:t>2024/3/10</a:t>
             </a:fld>
@@ -2075,7 +2075,7 @@
           <p:cNvPr id="3" name="页脚占位符 2">
             <a:extLst>
               <a:ext uri="{FF2B5EF4-FFF2-40B4-BE49-F238E27FC236}">
-                <a16:creationId xmlns:a16="http://schemas.microsoft.com/office/drawing/2014/main" id="{E5F3639E-4D2B-D870-CE93-3B3586E266C3}"/>
+                <a16:creationId xmlns:a16="http://schemas.microsoft.com/office/drawing/2014/main" id="{E588618D-1547-0058-0C9B-8AB2CF9D201A}"/>
               </a:ext>
             </a:extLst>
           </p:cNvPr>
@@ -2100,7 +2100,7 @@
           <p:cNvPr id="4" name="灯片编号占位符 3">
             <a:extLst>
               <a:ext uri="{FF2B5EF4-FFF2-40B4-BE49-F238E27FC236}">
-                <a16:creationId xmlns:a16="http://schemas.microsoft.com/office/drawing/2014/main" id="{2060976C-CB97-26D8-DE6A-2DCB7BBFFBAB}"/>
+                <a16:creationId xmlns:a16="http://schemas.microsoft.com/office/drawing/2014/main" id="{364D86F6-641E-8642-03A5-8F7CFA722E3C}"/>
               </a:ext>
             </a:extLst>
           </p:cNvPr>
@@ -2116,7 +2116,7 @@
           <a:bodyPr/>
           <a:lstStyle/>
           <a:p>
-            <a:fld id="{FF4726ED-18BE-4071-B881-B25E2B8E338A}" type="slidenum">
+            <a:fld id="{74D6E48F-C7F4-49F8-BCAB-62701B75228E}" type="slidenum">
               <a:rPr lang="zh-CN" altLang="en-US" smtClean="0"/>
               <a:t>‹#›</a:t>
             </a:fld>
@@ -2127,7 +2127,7 @@
     </p:spTree>
     <p:extLst>
       <p:ext uri="{BB962C8B-B14F-4D97-AF65-F5344CB8AC3E}">
-        <p14:creationId xmlns:p14="http://schemas.microsoft.com/office/powerpoint/2010/main" val="3356625276"/>
+        <p14:creationId xmlns:p14="http://schemas.microsoft.com/office/powerpoint/2010/main" val="3529300900"/>
       </p:ext>
     </p:extLst>
   </p:cSld>
@@ -2159,7 +2159,7 @@
           <p:cNvPr id="2" name="标题 1">
             <a:extLst>
               <a:ext uri="{FF2B5EF4-FFF2-40B4-BE49-F238E27FC236}">
-                <a16:creationId xmlns:a16="http://schemas.microsoft.com/office/drawing/2014/main" id="{847324E7-8638-6A8C-945A-58E39B4A09BF}"/>
+                <a16:creationId xmlns:a16="http://schemas.microsoft.com/office/drawing/2014/main" id="{D2B5C888-C90C-284F-652E-D5B3B22301AC}"/>
               </a:ext>
             </a:extLst>
           </p:cNvPr>
@@ -2196,7 +2196,7 @@
           <p:cNvPr id="3" name="内容占位符 2">
             <a:extLst>
               <a:ext uri="{FF2B5EF4-FFF2-40B4-BE49-F238E27FC236}">
-                <a16:creationId xmlns:a16="http://schemas.microsoft.com/office/drawing/2014/main" id="{83442053-316B-520F-1C96-94D9D84C30F6}"/>
+                <a16:creationId xmlns:a16="http://schemas.microsoft.com/office/drawing/2014/main" id="{9F53FAC6-D192-1776-CD7D-5BF7410E929D}"/>
               </a:ext>
             </a:extLst>
           </p:cNvPr>
@@ -2286,7 +2286,7 @@
           <p:cNvPr id="4" name="文本占位符 3">
             <a:extLst>
               <a:ext uri="{FF2B5EF4-FFF2-40B4-BE49-F238E27FC236}">
-                <a16:creationId xmlns:a16="http://schemas.microsoft.com/office/drawing/2014/main" id="{FBCABE7A-511A-4063-8557-8347AFB4486C}"/>
+                <a16:creationId xmlns:a16="http://schemas.microsoft.com/office/drawing/2014/main" id="{9BF50F27-407D-6682-3908-8407AEAE62CF}"/>
               </a:ext>
             </a:extLst>
           </p:cNvPr>
@@ -2357,7 +2357,7 @@
           <p:cNvPr id="5" name="日期占位符 4">
             <a:extLst>
               <a:ext uri="{FF2B5EF4-FFF2-40B4-BE49-F238E27FC236}">
-                <a16:creationId xmlns:a16="http://schemas.microsoft.com/office/drawing/2014/main" id="{C8EB6B74-4016-50EF-6AEC-6503C9B70177}"/>
+                <a16:creationId xmlns:a16="http://schemas.microsoft.com/office/drawing/2014/main" id="{5E423691-7186-6370-2EA9-2D25D684503D}"/>
               </a:ext>
             </a:extLst>
           </p:cNvPr>
@@ -2373,7 +2373,7 @@
           <a:bodyPr/>
           <a:lstStyle/>
           <a:p>
-            <a:fld id="{1BC9A7F9-31D1-4C9F-9207-D57F1B8C122B}" type="datetimeFigureOut">
+            <a:fld id="{86ECD86D-A183-4ACE-96E0-CFE2E2F31C9E}" type="datetimeFigureOut">
               <a:rPr lang="zh-CN" altLang="en-US" smtClean="0"/>
               <a:t>2024/3/10</a:t>
             </a:fld>
@@ -2386,7 +2386,7 @@
           <p:cNvPr id="6" name="页脚占位符 5">
             <a:extLst>
               <a:ext uri="{FF2B5EF4-FFF2-40B4-BE49-F238E27FC236}">
-                <a16:creationId xmlns:a16="http://schemas.microsoft.com/office/drawing/2014/main" id="{3319A250-0530-6BFA-592F-52BE08356C89}"/>
+                <a16:creationId xmlns:a16="http://schemas.microsoft.com/office/drawing/2014/main" id="{B5D0EED8-1756-A4B4-D94E-25999A765DF3}"/>
               </a:ext>
             </a:extLst>
           </p:cNvPr>
@@ -2411,7 +2411,7 @@
           <p:cNvPr id="7" name="灯片编号占位符 6">
             <a:extLst>
               <a:ext uri="{FF2B5EF4-FFF2-40B4-BE49-F238E27FC236}">
-                <a16:creationId xmlns:a16="http://schemas.microsoft.com/office/drawing/2014/main" id="{85D686A5-73E7-ECCF-C4EB-E7289B4797F0}"/>
+                <a16:creationId xmlns:a16="http://schemas.microsoft.com/office/drawing/2014/main" id="{B285B506-EAE9-D936-58E3-E3C8FF02367F}"/>
               </a:ext>
             </a:extLst>
           </p:cNvPr>
@@ -2427,7 +2427,7 @@
           <a:bodyPr/>
           <a:lstStyle/>
           <a:p>
-            <a:fld id="{FF4726ED-18BE-4071-B881-B25E2B8E338A}" type="slidenum">
+            <a:fld id="{74D6E48F-C7F4-49F8-BCAB-62701B75228E}" type="slidenum">
               <a:rPr lang="zh-CN" altLang="en-US" smtClean="0"/>
               <a:t>‹#›</a:t>
             </a:fld>
@@ -2438,7 +2438,7 @@
     </p:spTree>
     <p:extLst>
       <p:ext uri="{BB962C8B-B14F-4D97-AF65-F5344CB8AC3E}">
-        <p14:creationId xmlns:p14="http://schemas.microsoft.com/office/powerpoint/2010/main" val="512136068"/>
+        <p14:creationId xmlns:p14="http://schemas.microsoft.com/office/powerpoint/2010/main" val="1876878492"/>
       </p:ext>
     </p:extLst>
   </p:cSld>
@@ -2470,7 +2470,7 @@
           <p:cNvPr id="2" name="标题 1">
             <a:extLst>
               <a:ext uri="{FF2B5EF4-FFF2-40B4-BE49-F238E27FC236}">
-                <a16:creationId xmlns:a16="http://schemas.microsoft.com/office/drawing/2014/main" id="{E94AE743-B14C-A006-873A-CE4084584E2C}"/>
+                <a16:creationId xmlns:a16="http://schemas.microsoft.com/office/drawing/2014/main" id="{24D92AF7-EA2D-9A01-F01A-871313C36339}"/>
               </a:ext>
             </a:extLst>
           </p:cNvPr>
@@ -2507,7 +2507,7 @@
           <p:cNvPr id="3" name="图片占位符 2">
             <a:extLst>
               <a:ext uri="{FF2B5EF4-FFF2-40B4-BE49-F238E27FC236}">
-                <a16:creationId xmlns:a16="http://schemas.microsoft.com/office/drawing/2014/main" id="{0CB0A863-F6D1-E514-1AA2-A69C396A73FD}"/>
+                <a16:creationId xmlns:a16="http://schemas.microsoft.com/office/drawing/2014/main" id="{778CB1E9-578C-7BE4-20F7-E81B34D1F14B}"/>
               </a:ext>
             </a:extLst>
           </p:cNvPr>
@@ -2574,7 +2574,7 @@
           <p:cNvPr id="4" name="文本占位符 3">
             <a:extLst>
               <a:ext uri="{FF2B5EF4-FFF2-40B4-BE49-F238E27FC236}">
-                <a16:creationId xmlns:a16="http://schemas.microsoft.com/office/drawing/2014/main" id="{574E8E7F-5FB2-EEE6-1336-6396728A350B}"/>
+                <a16:creationId xmlns:a16="http://schemas.microsoft.com/office/drawing/2014/main" id="{E08FBDE0-AB84-0408-C245-E4ACD93E3E3F}"/>
               </a:ext>
             </a:extLst>
           </p:cNvPr>
@@ -2645,7 +2645,7 @@
           <p:cNvPr id="5" name="日期占位符 4">
             <a:extLst>
               <a:ext uri="{FF2B5EF4-FFF2-40B4-BE49-F238E27FC236}">
-                <a16:creationId xmlns:a16="http://schemas.microsoft.com/office/drawing/2014/main" id="{D4128D2B-4801-A8B5-7987-D6703B5FF6CC}"/>
+                <a16:creationId xmlns:a16="http://schemas.microsoft.com/office/drawing/2014/main" id="{DC04A65A-2A35-788E-5A0E-AA01D9C4FF5D}"/>
               </a:ext>
             </a:extLst>
           </p:cNvPr>
@@ -2661,7 +2661,7 @@
           <a:bodyPr/>
           <a:lstStyle/>
           <a:p>
-            <a:fld id="{1BC9A7F9-31D1-4C9F-9207-D57F1B8C122B}" type="datetimeFigureOut">
+            <a:fld id="{86ECD86D-A183-4ACE-96E0-CFE2E2F31C9E}" type="datetimeFigureOut">
               <a:rPr lang="zh-CN" altLang="en-US" smtClean="0"/>
               <a:t>2024/3/10</a:t>
             </a:fld>
@@ -2674,7 +2674,7 @@
           <p:cNvPr id="6" name="页脚占位符 5">
             <a:extLst>
               <a:ext uri="{FF2B5EF4-FFF2-40B4-BE49-F238E27FC236}">
-                <a16:creationId xmlns:a16="http://schemas.microsoft.com/office/drawing/2014/main" id="{D15DD64B-B74D-C048-1DCB-C555C963A431}"/>
+                <a16:creationId xmlns:a16="http://schemas.microsoft.com/office/drawing/2014/main" id="{E2547220-04EE-0360-51EB-3F7F181ADD12}"/>
               </a:ext>
             </a:extLst>
           </p:cNvPr>
@@ -2699,7 +2699,7 @@
           <p:cNvPr id="7" name="灯片编号占位符 6">
             <a:extLst>
               <a:ext uri="{FF2B5EF4-FFF2-40B4-BE49-F238E27FC236}">
-                <a16:creationId xmlns:a16="http://schemas.microsoft.com/office/drawing/2014/main" id="{739330F5-1311-E4C9-8D17-02A9EEFEC8BF}"/>
+                <a16:creationId xmlns:a16="http://schemas.microsoft.com/office/drawing/2014/main" id="{AA11EF49-7558-3B82-7F03-2E01BD3D0FDA}"/>
               </a:ext>
             </a:extLst>
           </p:cNvPr>
@@ -2715,7 +2715,7 @@
           <a:bodyPr/>
           <a:lstStyle/>
           <a:p>
-            <a:fld id="{FF4726ED-18BE-4071-B881-B25E2B8E338A}" type="slidenum">
+            <a:fld id="{74D6E48F-C7F4-49F8-BCAB-62701B75228E}" type="slidenum">
               <a:rPr lang="zh-CN" altLang="en-US" smtClean="0"/>
               <a:t>‹#›</a:t>
             </a:fld>
@@ -2726,7 +2726,7 @@
     </p:spTree>
     <p:extLst>
       <p:ext uri="{BB962C8B-B14F-4D97-AF65-F5344CB8AC3E}">
-        <p14:creationId xmlns:p14="http://schemas.microsoft.com/office/powerpoint/2010/main" val="418536964"/>
+        <p14:creationId xmlns:p14="http://schemas.microsoft.com/office/powerpoint/2010/main" val="2558255659"/>
       </p:ext>
     </p:extLst>
   </p:cSld>
@@ -2763,7 +2763,7 @@
           <p:cNvPr id="2" name="标题占位符 1">
             <a:extLst>
               <a:ext uri="{FF2B5EF4-FFF2-40B4-BE49-F238E27FC236}">
-                <a16:creationId xmlns:a16="http://schemas.microsoft.com/office/drawing/2014/main" id="{2C6BBCE1-EB07-DABC-9D49-D40DDF86B90F}"/>
+                <a16:creationId xmlns:a16="http://schemas.microsoft.com/office/drawing/2014/main" id="{93B85BDA-3C19-1FF7-C145-467BD980635C}"/>
               </a:ext>
             </a:extLst>
           </p:cNvPr>
@@ -2801,7 +2801,7 @@
           <p:cNvPr id="3" name="文本占位符 2">
             <a:extLst>
               <a:ext uri="{FF2B5EF4-FFF2-40B4-BE49-F238E27FC236}">
-                <a16:creationId xmlns:a16="http://schemas.microsoft.com/office/drawing/2014/main" id="{FEDA36E8-26A1-8C2B-0E0C-76B4627CCCE5}"/>
+                <a16:creationId xmlns:a16="http://schemas.microsoft.com/office/drawing/2014/main" id="{1339FF1C-3210-4888-519B-6C1BF09D7EE7}"/>
               </a:ext>
             </a:extLst>
           </p:cNvPr>
@@ -2868,7 +2868,7 @@
           <p:cNvPr id="4" name="日期占位符 3">
             <a:extLst>
               <a:ext uri="{FF2B5EF4-FFF2-40B4-BE49-F238E27FC236}">
-                <a16:creationId xmlns:a16="http://schemas.microsoft.com/office/drawing/2014/main" id="{60CE15F5-21FA-140C-5D6B-E525AC8BA9F5}"/>
+                <a16:creationId xmlns:a16="http://schemas.microsoft.com/office/drawing/2014/main" id="{FC6632F0-DDD8-E122-C63E-A1203B9528C1}"/>
               </a:ext>
             </a:extLst>
           </p:cNvPr>
@@ -2902,7 +2902,7 @@
             </a:lvl1pPr>
           </a:lstStyle>
           <a:p>
-            <a:fld id="{1BC9A7F9-31D1-4C9F-9207-D57F1B8C122B}" type="datetimeFigureOut">
+            <a:fld id="{86ECD86D-A183-4ACE-96E0-CFE2E2F31C9E}" type="datetimeFigureOut">
               <a:rPr lang="zh-CN" altLang="en-US" smtClean="0"/>
               <a:t>2024/3/10</a:t>
             </a:fld>
@@ -2915,7 +2915,7 @@
           <p:cNvPr id="5" name="页脚占位符 4">
             <a:extLst>
               <a:ext uri="{FF2B5EF4-FFF2-40B4-BE49-F238E27FC236}">
-                <a16:creationId xmlns:a16="http://schemas.microsoft.com/office/drawing/2014/main" id="{4DDEB246-2C9E-1182-9794-444F6B6DDD0A}"/>
+                <a16:creationId xmlns:a16="http://schemas.microsoft.com/office/drawing/2014/main" id="{ECA800B7-0391-AB5A-8F61-6E481DF0C2EF}"/>
               </a:ext>
             </a:extLst>
           </p:cNvPr>
@@ -2958,7 +2958,7 @@
           <p:cNvPr id="6" name="灯片编号占位符 5">
             <a:extLst>
               <a:ext uri="{FF2B5EF4-FFF2-40B4-BE49-F238E27FC236}">
-                <a16:creationId xmlns:a16="http://schemas.microsoft.com/office/drawing/2014/main" id="{5E532637-A006-32A6-FE9F-7D777D30E61C}"/>
+                <a16:creationId xmlns:a16="http://schemas.microsoft.com/office/drawing/2014/main" id="{D4B7E95E-F3AE-A4FE-4B23-F349BB5EFB9F}"/>
               </a:ext>
             </a:extLst>
           </p:cNvPr>
@@ -2992,7 +2992,7 @@
             </a:lvl1pPr>
           </a:lstStyle>
           <a:p>
-            <a:fld id="{FF4726ED-18BE-4071-B881-B25E2B8E338A}" type="slidenum">
+            <a:fld id="{74D6E48F-C7F4-49F8-BCAB-62701B75228E}" type="slidenum">
               <a:rPr lang="zh-CN" altLang="en-US" smtClean="0"/>
               <a:t>‹#›</a:t>
             </a:fld>
@@ -3003,7 +3003,7 @@
     </p:spTree>
     <p:extLst>
       <p:ext uri="{BB962C8B-B14F-4D97-AF65-F5344CB8AC3E}">
-        <p14:creationId xmlns:p14="http://schemas.microsoft.com/office/powerpoint/2010/main" val="2752243914"/>
+        <p14:creationId xmlns:p14="http://schemas.microsoft.com/office/powerpoint/2010/main" val="2403439782"/>
       </p:ext>
     </p:extLst>
   </p:cSld>
